--- a/doc/presentation_nn/nn_pre.pptx
+++ b/doc/presentation_nn/nn_pre.pptx
@@ -110,6 +110,11 @@
       </a:defRPr>
     </a:lvl9pPr>
   </p:defaultTextStyle>
+  <p:extLst>
+    <p:ext uri="{EFAFB233-063F-42B5-8137-9DF3F51BA10A}">
+      <p15:sldGuideLst xmlns:p15="http://schemas.microsoft.com/office/powerpoint/2012/main"/>
+    </p:ext>
+  </p:extLst>
 </p:presentation>
 </file>
 
@@ -4947,7 +4952,7 @@
           <p:nvPr>
             <p:extLst>
               <p:ext uri="{D42A27DB-BD31-4B8C-83A1-F6EECF244321}">
-                <p14:modId xmlns:p14="http://schemas.microsoft.com/office/powerpoint/2010/main" val="404259631"/>
+                <p14:modId xmlns:p14="http://schemas.microsoft.com/office/powerpoint/2010/main" val="1540383426"/>
               </p:ext>
             </p:extLst>
           </p:nvPr>
@@ -5119,10 +5124,18 @@
                     <a:lstStyle/>
                     <a:p>
                       <a:r>
-                        <a:rPr lang="en-US" altLang="zh-CN" b="1" dirty="0" smtClean="0"/>
+                        <a:rPr lang="en-US" altLang="zh-CN" b="1" dirty="0" smtClean="0">
+                          <a:solidFill>
+                            <a:srgbClr val="C00000"/>
+                          </a:solidFill>
+                        </a:rPr>
                         <a:t>0.789090</a:t>
                       </a:r>
-                      <a:endParaRPr lang="en-US" b="1" dirty="0"/>
+                      <a:endParaRPr lang="en-US" b="1" dirty="0">
+                        <a:solidFill>
+                          <a:srgbClr val="C00000"/>
+                        </a:solidFill>
+                      </a:endParaRPr>
                     </a:p>
                   </a:txBody>
                   <a:tcPr/>
@@ -5221,10 +5234,18 @@
                     <a:lstStyle/>
                     <a:p>
                       <a:r>
-                        <a:rPr lang="hr-HR" altLang="zh-CN" dirty="0" smtClean="0"/>
+                        <a:rPr lang="hr-HR" altLang="zh-CN" dirty="0" smtClean="0">
+                          <a:solidFill>
+                            <a:srgbClr val="7030A0"/>
+                          </a:solidFill>
+                        </a:rPr>
                         <a:t>0.999609</a:t>
                       </a:r>
-                      <a:endParaRPr lang="en-US" dirty="0"/>
+                      <a:endParaRPr lang="en-US" dirty="0">
+                        <a:solidFill>
+                          <a:srgbClr val="7030A0"/>
+                        </a:solidFill>
+                      </a:endParaRPr>
                     </a:p>
                   </a:txBody>
                   <a:tcPr/>
@@ -5279,10 +5300,18 @@
                     <a:lstStyle/>
                     <a:p>
                       <a:r>
-                        <a:rPr lang="cs-CZ" altLang="zh-CN" dirty="0" smtClean="0"/>
+                        <a:rPr lang="cs-CZ" altLang="zh-CN" dirty="0" smtClean="0">
+                          <a:solidFill>
+                            <a:srgbClr val="7030A0"/>
+                          </a:solidFill>
+                        </a:rPr>
                         <a:t>0.999497</a:t>
                       </a:r>
-                      <a:endParaRPr lang="en-US" dirty="0"/>
+                      <a:endParaRPr lang="en-US" dirty="0">
+                        <a:solidFill>
+                          <a:srgbClr val="7030A0"/>
+                        </a:solidFill>
+                      </a:endParaRPr>
                     </a:p>
                   </a:txBody>
                   <a:tcPr/>
